--- a/Cégünk bemutatása _vegleges.pptx
+++ b/Cégünk bemutatása _vegleges.pptx
@@ -825,7 +825,7 @@
             <a:fld id="{D200B3F0-A9BC-48CE-8EB6-ECE965069900}" type="datetimeFigureOut">
               <a:rPr lang="en-US" dirty="0"/>
               <a:pPr/>
-              <a:t>1/18/2023</a:t>
+              <a:t>1/19/2023</a:t>
             </a:fld>
             <a:endParaRPr lang="en-US" dirty="0"/>
           </a:p>
@@ -1986,7 +1986,7 @@
           <a:p>
             <a:fld id="{3DF9FFFF-3106-4DDB-AA62-0C80862170D6}" type="datetimeFigureOut">
               <a:rPr lang="en-US" dirty="0"/>
-              <a:t>1/18/2023</a:t>
+              <a:t>1/19/2023</a:t>
             </a:fld>
             <a:endParaRPr lang="en-US" dirty="0"/>
           </a:p>
@@ -3040,7 +3040,7 @@
           <a:p>
             <a:fld id="{A3DA38B7-AE95-4DC8-9A51-7A71F545B098}" type="datetimeFigureOut">
               <a:rPr lang="en-US" dirty="0"/>
-              <a:t>1/18/2023</a:t>
+              <a:t>1/19/2023</a:t>
             </a:fld>
             <a:endParaRPr lang="en-US" dirty="0"/>
           </a:p>
@@ -4253,7 +4253,7 @@
           <a:p>
             <a:fld id="{86F1EC2B-8188-4AC2-9F0D-8D09C51D505A}" type="datetimeFigureOut">
               <a:rPr lang="en-US" dirty="0"/>
-              <a:t>1/18/2023</a:t>
+              <a:t>1/19/2023</a:t>
             </a:fld>
             <a:endParaRPr lang="en-US" dirty="0"/>
           </a:p>
@@ -5357,7 +5357,7 @@
           <a:p>
             <a:fld id="{9212B75E-944F-430B-BE5F-C69FA8823C04}" type="datetimeFigureOut">
               <a:rPr lang="en-US" dirty="0"/>
-              <a:t>1/18/2023</a:t>
+              <a:t>1/19/2023</a:t>
             </a:fld>
             <a:endParaRPr lang="en-US" dirty="0"/>
           </a:p>
@@ -6009,7 +6009,7 @@
           <a:p>
             <a:fld id="{79AE0DC7-7F53-471C-A711-B3DA6F2535F3}" type="datetimeFigureOut">
               <a:rPr lang="en-US" dirty="0"/>
-              <a:t>1/18/2023</a:t>
+              <a:t>1/19/2023</a:t>
             </a:fld>
             <a:endParaRPr lang="en-US" dirty="0"/>
           </a:p>
@@ -6856,7 +6856,7 @@
           <a:p>
             <a:fld id="{3C1F4C9D-4618-451D-80C1-6A376BB42AB4}" type="datetimeFigureOut">
               <a:rPr lang="en-US" dirty="0"/>
-              <a:t>1/18/2023</a:t>
+              <a:t>1/19/2023</a:t>
             </a:fld>
             <a:endParaRPr lang="en-US" dirty="0"/>
           </a:p>
@@ -7041,7 +7041,7 @@
           <a:p>
             <a:fld id="{F54D2318-CE40-42F6-962A-4C6D6CF697DB}" type="datetimeFigureOut">
               <a:rPr lang="en-US" dirty="0"/>
-              <a:t>1/18/2023</a:t>
+              <a:t>1/19/2023</a:t>
             </a:fld>
             <a:endParaRPr lang="en-US" dirty="0"/>
           </a:p>
@@ -8082,7 +8082,7 @@
           <a:p>
             <a:fld id="{0C476AC1-EB7F-4BEF-90D9-5764B50DAF8A}" type="datetimeFigureOut">
               <a:rPr lang="en-US" dirty="0"/>
-              <a:t>1/18/2023</a:t>
+              <a:t>1/19/2023</a:t>
             </a:fld>
             <a:endParaRPr lang="en-US" dirty="0"/>
           </a:p>
@@ -8298,7 +8298,7 @@
           <a:p>
             <a:fld id="{1B20712A-F861-4AB0-A754-4F5A2033CD4B}" type="datetimeFigureOut">
               <a:rPr lang="en-US" dirty="0"/>
-              <a:t>1/18/2023</a:t>
+              <a:t>1/19/2023</a:t>
             </a:fld>
             <a:endParaRPr lang="en-US" dirty="0"/>
           </a:p>
@@ -9403,7 +9403,7 @@
           <a:p>
             <a:fld id="{324507B7-F2DC-4B2C-B14D-58A9766807A2}" type="datetimeFigureOut">
               <a:rPr lang="en-US" dirty="0"/>
-              <a:t>1/18/2023</a:t>
+              <a:t>1/19/2023</a:t>
             </a:fld>
             <a:endParaRPr lang="en-US" dirty="0"/>
           </a:p>
@@ -9675,7 +9675,7 @@
           <a:p>
             <a:fld id="{904A483D-5CB4-4842-8F2F-05D5276ACF63}" type="datetimeFigureOut">
               <a:rPr lang="en-US" dirty="0"/>
-              <a:t>1/18/2023</a:t>
+              <a:t>1/19/2023</a:t>
             </a:fld>
             <a:endParaRPr lang="en-US" dirty="0"/>
           </a:p>
@@ -10057,7 +10057,7 @@
           <a:p>
             <a:fld id="{1D1CE32E-9DC0-47C8-A657-48F5C3E4A10B}" type="datetimeFigureOut">
               <a:rPr lang="en-US" dirty="0"/>
-              <a:t>1/18/2023</a:t>
+              <a:t>1/19/2023</a:t>
             </a:fld>
             <a:endParaRPr lang="en-US" dirty="0"/>
           </a:p>
@@ -10175,7 +10175,7 @@
           <a:p>
             <a:fld id="{2BDF5C0D-8C3A-4771-A43D-83937FC700D4}" type="datetimeFigureOut">
               <a:rPr lang="en-US" dirty="0"/>
-              <a:t>1/18/2023</a:t>
+              <a:t>1/19/2023</a:t>
             </a:fld>
             <a:endParaRPr lang="en-US" dirty="0"/>
           </a:p>
@@ -10270,7 +10270,7 @@
           <a:p>
             <a:fld id="{0203D2D6-FCC2-425A-A4A7-8058E8C01CB1}" type="datetimeFigureOut">
               <a:rPr lang="en-US" dirty="0"/>
-              <a:t>1/18/2023</a:t>
+              <a:t>1/19/2023</a:t>
             </a:fld>
             <a:endParaRPr lang="en-US" dirty="0"/>
           </a:p>
@@ -11422,7 +11422,7 @@
           <a:p>
             <a:fld id="{D8CF2683-E6E7-4CC3-9EEE-7854DD4F3545}" type="datetimeFigureOut">
               <a:rPr lang="en-US" dirty="0"/>
-              <a:t>1/18/2023</a:t>
+              <a:t>1/19/2023</a:t>
             </a:fld>
             <a:endParaRPr lang="en-US" dirty="0"/>
           </a:p>
@@ -12598,7 +12598,7 @@
           <a:p>
             <a:fld id="{7E120F81-B39D-4CBB-8BF3-5D6E395D0F72}" type="datetimeFigureOut">
               <a:rPr lang="en-US" dirty="0"/>
-              <a:t>1/18/2023</a:t>
+              <a:t>1/19/2023</a:t>
             </a:fld>
             <a:endParaRPr lang="en-US" dirty="0"/>
           </a:p>
@@ -13708,7 +13708,7 @@
           <a:p>
             <a:fld id="{564B320A-89BA-47B2-A525-92E8D10B06E4}" type="datetimeFigureOut">
               <a:rPr lang="en-US" dirty="0"/>
-              <a:t>1/18/2023</a:t>
+              <a:t>1/19/2023</a:t>
             </a:fld>
             <a:endParaRPr lang="en-US" dirty="0"/>
           </a:p>
@@ -14234,7 +14234,7 @@
           <p:cNvPr id="2" name="Cím 1">
             <a:extLst>
               <a:ext uri="{FF2B5EF4-FFF2-40B4-BE49-F238E27FC236}">
-                <a16:creationId xmlns:a16="http://schemas.microsoft.com/office/drawing/2014/main" xmlns="" id="{B04EEFD6-8EBD-4925-8E9C-C4C0412D956C}"/>
+                <a16:creationId xmlns:a16="http://schemas.microsoft.com/office/drawing/2014/main" id="{B04EEFD6-8EBD-4925-8E9C-C4C0412D956C}"/>
               </a:ext>
             </a:extLst>
           </p:cNvPr>
@@ -14271,7 +14271,7 @@
           <p:cNvPr id="9" name="Kép 8">
             <a:extLst>
               <a:ext uri="{FF2B5EF4-FFF2-40B4-BE49-F238E27FC236}">
-                <a16:creationId xmlns:a16="http://schemas.microsoft.com/office/drawing/2014/main" xmlns="" id="{FEA6929A-6653-45A0-A7B3-FC63DA3B586B}"/>
+                <a16:creationId xmlns:a16="http://schemas.microsoft.com/office/drawing/2014/main" id="{FEA6929A-6653-45A0-A7B3-FC63DA3B586B}"/>
               </a:ext>
             </a:extLst>
           </p:cNvPr>
@@ -14301,7 +14301,7 @@
           <p:cNvPr id="10" name="Szövegdoboz 9">
             <a:extLst>
               <a:ext uri="{FF2B5EF4-FFF2-40B4-BE49-F238E27FC236}">
-                <a16:creationId xmlns:a16="http://schemas.microsoft.com/office/drawing/2014/main" xmlns="" id="{FD81D40E-B29C-472A-972F-6527C294C428}"/>
+                <a16:creationId xmlns:a16="http://schemas.microsoft.com/office/drawing/2014/main" id="{FD81D40E-B29C-472A-972F-6527C294C428}"/>
               </a:ext>
             </a:extLst>
           </p:cNvPr>
@@ -14640,7 +14640,7 @@
           <p:cNvPr id="2" name="Cím 1">
             <a:extLst>
               <a:ext uri="{FF2B5EF4-FFF2-40B4-BE49-F238E27FC236}">
-                <a16:creationId xmlns:a16="http://schemas.microsoft.com/office/drawing/2014/main" xmlns="" id="{1E414171-F71E-4146-8F43-02E9686A5FFA}"/>
+                <a16:creationId xmlns:a16="http://schemas.microsoft.com/office/drawing/2014/main" id="{1E414171-F71E-4146-8F43-02E9686A5FFA}"/>
               </a:ext>
             </a:extLst>
           </p:cNvPr>
@@ -14677,7 +14677,7 @@
           <p:cNvPr id="5" name="Kép 4">
             <a:extLst>
               <a:ext uri="{FF2B5EF4-FFF2-40B4-BE49-F238E27FC236}">
-                <a16:creationId xmlns:a16="http://schemas.microsoft.com/office/drawing/2014/main" xmlns="" id="{C713BD73-F6EC-41FC-955E-620820B0F989}"/>
+                <a16:creationId xmlns:a16="http://schemas.microsoft.com/office/drawing/2014/main" id="{C713BD73-F6EC-41FC-955E-620820B0F989}"/>
               </a:ext>
             </a:extLst>
           </p:cNvPr>
@@ -14707,7 +14707,7 @@
           <p:cNvPr id="8" name="Szövegdoboz 7">
             <a:extLst>
               <a:ext uri="{FF2B5EF4-FFF2-40B4-BE49-F238E27FC236}">
-                <a16:creationId xmlns:a16="http://schemas.microsoft.com/office/drawing/2014/main" xmlns="" id="{5972B9EA-3509-474E-9878-124B982AE7A5}"/>
+                <a16:creationId xmlns:a16="http://schemas.microsoft.com/office/drawing/2014/main" id="{5972B9EA-3509-474E-9878-124B982AE7A5}"/>
               </a:ext>
             </a:extLst>
           </p:cNvPr>
@@ -14824,7 +14824,7 @@
           <p:cNvPr id="3" name="Szövegdoboz 2">
             <a:extLst>
               <a:ext uri="{FF2B5EF4-FFF2-40B4-BE49-F238E27FC236}">
-                <a16:creationId xmlns:a16="http://schemas.microsoft.com/office/drawing/2014/main" xmlns="" id="{AE30C31E-5848-4604-A248-C93FD43355A7}"/>
+                <a16:creationId xmlns:a16="http://schemas.microsoft.com/office/drawing/2014/main" id="{AE30C31E-5848-4604-A248-C93FD43355A7}"/>
               </a:ext>
             </a:extLst>
           </p:cNvPr>
@@ -15687,7 +15687,7 @@
           <p:cNvPr id="2" name="Cím 1">
             <a:extLst>
               <a:ext uri="{FF2B5EF4-FFF2-40B4-BE49-F238E27FC236}">
-                <a16:creationId xmlns:a16="http://schemas.microsoft.com/office/drawing/2014/main" xmlns="" id="{6CDD2F92-20C5-4F0B-B39F-35C5CB1C58D2}"/>
+                <a16:creationId xmlns:a16="http://schemas.microsoft.com/office/drawing/2014/main" id="{6CDD2F92-20C5-4F0B-B39F-35C5CB1C58D2}"/>
               </a:ext>
             </a:extLst>
           </p:cNvPr>
@@ -15720,7 +15720,7 @@
           <p:cNvPr id="5" name="Kép 4">
             <a:extLst>
               <a:ext uri="{FF2B5EF4-FFF2-40B4-BE49-F238E27FC236}">
-                <a16:creationId xmlns:a16="http://schemas.microsoft.com/office/drawing/2014/main" xmlns="" id="{93CD777C-7B52-49D6-898C-53372FC5845F}"/>
+                <a16:creationId xmlns:a16="http://schemas.microsoft.com/office/drawing/2014/main" id="{93CD777C-7B52-49D6-898C-53372FC5845F}"/>
               </a:ext>
             </a:extLst>
           </p:cNvPr>
@@ -15750,7 +15750,7 @@
           <p:cNvPr id="6" name="Szövegdoboz 5">
             <a:extLst>
               <a:ext uri="{FF2B5EF4-FFF2-40B4-BE49-F238E27FC236}">
-                <a16:creationId xmlns:a16="http://schemas.microsoft.com/office/drawing/2014/main" xmlns="" id="{8049FAC4-7B4D-42D9-A350-D14780E60E69}"/>
+                <a16:creationId xmlns:a16="http://schemas.microsoft.com/office/drawing/2014/main" id="{8049FAC4-7B4D-42D9-A350-D14780E60E69}"/>
               </a:ext>
             </a:extLst>
           </p:cNvPr>
@@ -16476,7 +16476,7 @@
           <p:cNvPr id="2" name="Cím 1">
             <a:extLst>
               <a:ext uri="{FF2B5EF4-FFF2-40B4-BE49-F238E27FC236}">
-                <a16:creationId xmlns:a16="http://schemas.microsoft.com/office/drawing/2014/main" xmlns="" id="{00CD55E7-49D3-49A5-BDC0-E1AD93CDCE90}"/>
+                <a16:creationId xmlns:a16="http://schemas.microsoft.com/office/drawing/2014/main" id="{00CD55E7-49D3-49A5-BDC0-E1AD93CDCE90}"/>
               </a:ext>
             </a:extLst>
           </p:cNvPr>
@@ -16509,7 +16509,7 @@
           <p:cNvPr id="5" name="Kép 4">
             <a:extLst>
               <a:ext uri="{FF2B5EF4-FFF2-40B4-BE49-F238E27FC236}">
-                <a16:creationId xmlns:a16="http://schemas.microsoft.com/office/drawing/2014/main" xmlns="" id="{ED5293CB-8241-4824-B71A-48F4BD6FBE47}"/>
+                <a16:creationId xmlns:a16="http://schemas.microsoft.com/office/drawing/2014/main" id="{ED5293CB-8241-4824-B71A-48F4BD6FBE47}"/>
               </a:ext>
             </a:extLst>
           </p:cNvPr>
@@ -16539,7 +16539,7 @@
           <p:cNvPr id="6" name="Szövegdoboz 5">
             <a:extLst>
               <a:ext uri="{FF2B5EF4-FFF2-40B4-BE49-F238E27FC236}">
-                <a16:creationId xmlns:a16="http://schemas.microsoft.com/office/drawing/2014/main" xmlns="" id="{4EDF55C2-84E8-49A6-ACB8-554A734F3C99}"/>
+                <a16:creationId xmlns:a16="http://schemas.microsoft.com/office/drawing/2014/main" id="{4EDF55C2-84E8-49A6-ACB8-554A734F3C99}"/>
               </a:ext>
             </a:extLst>
           </p:cNvPr>
@@ -17266,7 +17266,7 @@
           <p:cNvPr id="2" name="Cím 1">
             <a:extLst>
               <a:ext uri="{FF2B5EF4-FFF2-40B4-BE49-F238E27FC236}">
-                <a16:creationId xmlns:a16="http://schemas.microsoft.com/office/drawing/2014/main" xmlns="" id="{91551393-DA40-4515-A498-9A7EECEA3A50}"/>
+                <a16:creationId xmlns:a16="http://schemas.microsoft.com/office/drawing/2014/main" id="{91551393-DA40-4515-A498-9A7EECEA3A50}"/>
               </a:ext>
             </a:extLst>
           </p:cNvPr>
@@ -17341,7 +17341,7 @@
           <p:cNvPr id="2" name="Cím 1">
             <a:extLst>
               <a:ext uri="{FF2B5EF4-FFF2-40B4-BE49-F238E27FC236}">
-                <a16:creationId xmlns:a16="http://schemas.microsoft.com/office/drawing/2014/main" xmlns="" id="{F68805B5-85B7-43DA-957B-D8E6C3780BCA}"/>
+                <a16:creationId xmlns:a16="http://schemas.microsoft.com/office/drawing/2014/main" id="{F68805B5-85B7-43DA-957B-D8E6C3780BCA}"/>
               </a:ext>
             </a:extLst>
           </p:cNvPr>
@@ -17374,7 +17374,7 @@
           <p:cNvPr id="9" name="Rectangle 1">
             <a:extLst>
               <a:ext uri="{FF2B5EF4-FFF2-40B4-BE49-F238E27FC236}">
-                <a16:creationId xmlns:a16="http://schemas.microsoft.com/office/drawing/2014/main" xmlns="" id="{41D4CEE5-EA05-4B60-B76E-F7C529B6EE57}"/>
+                <a16:creationId xmlns:a16="http://schemas.microsoft.com/office/drawing/2014/main" id="{41D4CEE5-EA05-4B60-B76E-F7C529B6EE57}"/>
               </a:ext>
             </a:extLst>
           </p:cNvPr>
@@ -18182,7 +18182,7 @@
           <p:cNvPr id="2" name="Cím 1">
             <a:extLst>
               <a:ext uri="{FF2B5EF4-FFF2-40B4-BE49-F238E27FC236}">
-                <a16:creationId xmlns:a16="http://schemas.microsoft.com/office/drawing/2014/main" xmlns="" id="{69D6037F-0F1F-4635-A90C-578105F1E276}"/>
+                <a16:creationId xmlns:a16="http://schemas.microsoft.com/office/drawing/2014/main" id="{69D6037F-0F1F-4635-A90C-578105F1E276}"/>
               </a:ext>
             </a:extLst>
           </p:cNvPr>
@@ -18219,7 +18219,7 @@
           <p:cNvPr id="8" name="Szövegdoboz 7">
             <a:extLst>
               <a:ext uri="{FF2B5EF4-FFF2-40B4-BE49-F238E27FC236}">
-                <a16:creationId xmlns:a16="http://schemas.microsoft.com/office/drawing/2014/main" xmlns="" id="{1B2BCC81-7213-4A4A-A67D-7BD8F3651088}"/>
+                <a16:creationId xmlns:a16="http://schemas.microsoft.com/office/drawing/2014/main" id="{1B2BCC81-7213-4A4A-A67D-7BD8F3651088}"/>
               </a:ext>
             </a:extLst>
           </p:cNvPr>
@@ -18258,7 +18258,7 @@
           <p:cNvPr id="9" name="Szövegdoboz 8">
             <a:extLst>
               <a:ext uri="{FF2B5EF4-FFF2-40B4-BE49-F238E27FC236}">
-                <a16:creationId xmlns:a16="http://schemas.microsoft.com/office/drawing/2014/main" xmlns="" id="{549308DC-5731-4CDE-82EE-8DB3CCF46C07}"/>
+                <a16:creationId xmlns:a16="http://schemas.microsoft.com/office/drawing/2014/main" id="{549308DC-5731-4CDE-82EE-8DB3CCF46C07}"/>
               </a:ext>
             </a:extLst>
           </p:cNvPr>
@@ -18297,7 +18297,7 @@
           <p:cNvPr id="10" name="Szövegdoboz 9">
             <a:extLst>
               <a:ext uri="{FF2B5EF4-FFF2-40B4-BE49-F238E27FC236}">
-                <a16:creationId xmlns:a16="http://schemas.microsoft.com/office/drawing/2014/main" xmlns="" id="{954CA735-EC40-4A54-8724-B4DCFC3E9D0E}"/>
+                <a16:creationId xmlns:a16="http://schemas.microsoft.com/office/drawing/2014/main" id="{954CA735-EC40-4A54-8724-B4DCFC3E9D0E}"/>
               </a:ext>
             </a:extLst>
           </p:cNvPr>
@@ -18390,7 +18390,7 @@
           <p:cNvPr id="11" name="Szövegdoboz 10">
             <a:extLst>
               <a:ext uri="{FF2B5EF4-FFF2-40B4-BE49-F238E27FC236}">
-                <a16:creationId xmlns:a16="http://schemas.microsoft.com/office/drawing/2014/main" xmlns="" id="{C4B0CB01-D176-425A-AEE3-A341F5DB5DAE}"/>
+                <a16:creationId xmlns:a16="http://schemas.microsoft.com/office/drawing/2014/main" id="{C4B0CB01-D176-425A-AEE3-A341F5DB5DAE}"/>
               </a:ext>
             </a:extLst>
           </p:cNvPr>
@@ -19399,7 +19399,7 @@
           <p:cNvPr id="2" name="Cím 1">
             <a:extLst>
               <a:ext uri="{FF2B5EF4-FFF2-40B4-BE49-F238E27FC236}">
-                <a16:creationId xmlns:a16="http://schemas.microsoft.com/office/drawing/2014/main" xmlns="" id="{A2D0B6B9-14D7-4FFC-A5E7-8962C3D95CEF}"/>
+                <a16:creationId xmlns:a16="http://schemas.microsoft.com/office/drawing/2014/main" id="{A2D0B6B9-14D7-4FFC-A5E7-8962C3D95CEF}"/>
               </a:ext>
             </a:extLst>
           </p:cNvPr>
@@ -19449,13 +19449,6 @@
       </p:transition>
     </mc:Fallback>
   </mc:AlternateContent>
-  <p:timing>
-    <p:tnLst>
-      <p:par>
-        <p:cTn id="1" dur="indefinite" restart="never" nodeType="tmRoot"/>
-      </p:par>
-    </p:tnLst>
-  </p:timing>
 </p:sld>
 </file>
 
@@ -19481,7 +19474,7 @@
           <p:cNvPr id="2" name="Cím 1">
             <a:extLst>
               <a:ext uri="{FF2B5EF4-FFF2-40B4-BE49-F238E27FC236}">
-                <a16:creationId xmlns:a16="http://schemas.microsoft.com/office/drawing/2014/main" xmlns="" id="{BDE2B277-0C41-4AB7-A0E0-0B5739D08E04}"/>
+                <a16:creationId xmlns:a16="http://schemas.microsoft.com/office/drawing/2014/main" id="{BDE2B277-0C41-4AB7-A0E0-0B5739D08E04}"/>
               </a:ext>
             </a:extLst>
           </p:cNvPr>
@@ -19515,7 +19508,7 @@
           <p:cNvPr id="4" name="Szövegdoboz 3">
             <a:extLst>
               <a:ext uri="{FF2B5EF4-FFF2-40B4-BE49-F238E27FC236}">
-                <a16:creationId xmlns:a16="http://schemas.microsoft.com/office/drawing/2014/main" xmlns="" id="{5ACD06C4-F4B0-47F6-B9CD-B5992CA0BF5F}"/>
+                <a16:creationId xmlns:a16="http://schemas.microsoft.com/office/drawing/2014/main" id="{5ACD06C4-F4B0-47F6-B9CD-B5992CA0BF5F}"/>
               </a:ext>
             </a:extLst>
           </p:cNvPr>
@@ -19554,7 +19547,7 @@
           <p:cNvPr id="5" name="Szövegdoboz 4">
             <a:extLst>
               <a:ext uri="{FF2B5EF4-FFF2-40B4-BE49-F238E27FC236}">
-                <a16:creationId xmlns:a16="http://schemas.microsoft.com/office/drawing/2014/main" xmlns="" id="{4E140469-05C3-4F83-B50D-242427472F17}"/>
+                <a16:creationId xmlns:a16="http://schemas.microsoft.com/office/drawing/2014/main" id="{4E140469-05C3-4F83-B50D-242427472F17}"/>
               </a:ext>
             </a:extLst>
           </p:cNvPr>
@@ -19589,7 +19582,7 @@
           <p:cNvPr id="3" name="Szövegdoboz 2">
             <a:extLst>
               <a:ext uri="{FF2B5EF4-FFF2-40B4-BE49-F238E27FC236}">
-                <a16:creationId xmlns:a16="http://schemas.microsoft.com/office/drawing/2014/main" xmlns="" id="{4B12B446-6562-413D-BD9D-201180A55B35}"/>
+                <a16:creationId xmlns:a16="http://schemas.microsoft.com/office/drawing/2014/main" id="{4B12B446-6562-413D-BD9D-201180A55B35}"/>
               </a:ext>
             </a:extLst>
           </p:cNvPr>
@@ -19689,7 +19682,7 @@
           <p:cNvPr id="6" name="Szövegdoboz 5">
             <a:extLst>
               <a:ext uri="{FF2B5EF4-FFF2-40B4-BE49-F238E27FC236}">
-                <a16:creationId xmlns:a16="http://schemas.microsoft.com/office/drawing/2014/main" xmlns="" id="{2FE65708-5814-4107-ADFA-9CFE90731BCE}"/>
+                <a16:creationId xmlns:a16="http://schemas.microsoft.com/office/drawing/2014/main" id="{2FE65708-5814-4107-ADFA-9CFE90731BCE}"/>
               </a:ext>
             </a:extLst>
           </p:cNvPr>
@@ -20683,7 +20676,7 @@
           <p:cNvPr id="2" name="Cím 1">
             <a:extLst>
               <a:ext uri="{FF2B5EF4-FFF2-40B4-BE49-F238E27FC236}">
-                <a16:creationId xmlns:a16="http://schemas.microsoft.com/office/drawing/2014/main" xmlns="" id="{E27B061F-FF24-4A93-AB74-DE949A9754C2}"/>
+                <a16:creationId xmlns:a16="http://schemas.microsoft.com/office/drawing/2014/main" id="{E27B061F-FF24-4A93-AB74-DE949A9754C2}"/>
               </a:ext>
             </a:extLst>
           </p:cNvPr>
@@ -20719,7 +20712,7 @@
           <p:cNvPr id="4" name="Szövegdoboz 3">
             <a:extLst>
               <a:ext uri="{FF2B5EF4-FFF2-40B4-BE49-F238E27FC236}">
-                <a16:creationId xmlns:a16="http://schemas.microsoft.com/office/drawing/2014/main" xmlns="" id="{1913C12F-5A39-4D2C-8714-D0FB574F2AE6}"/>
+                <a16:creationId xmlns:a16="http://schemas.microsoft.com/office/drawing/2014/main" id="{1913C12F-5A39-4D2C-8714-D0FB574F2AE6}"/>
               </a:ext>
             </a:extLst>
           </p:cNvPr>
@@ -20754,7 +20747,7 @@
           <p:cNvPr id="5" name="Szövegdoboz 4">
             <a:extLst>
               <a:ext uri="{FF2B5EF4-FFF2-40B4-BE49-F238E27FC236}">
-                <a16:creationId xmlns:a16="http://schemas.microsoft.com/office/drawing/2014/main" xmlns="" id="{A435F4B6-70D0-40A3-B221-73C9C3446454}"/>
+                <a16:creationId xmlns:a16="http://schemas.microsoft.com/office/drawing/2014/main" id="{A435F4B6-70D0-40A3-B221-73C9C3446454}"/>
               </a:ext>
             </a:extLst>
           </p:cNvPr>
@@ -20763,7 +20756,7 @@
         </p:nvSpPr>
         <p:spPr>
           <a:xfrm>
-            <a:off x="628153" y="3568619"/>
+            <a:off x="1857032" y="3440112"/>
             <a:ext cx="2585135" cy="369332"/>
           </a:xfrm>
           <a:prstGeom prst="rect">
@@ -20789,7 +20782,7 @@
           <p:cNvPr id="6" name="Szövegdoboz 5">
             <a:extLst>
               <a:ext uri="{FF2B5EF4-FFF2-40B4-BE49-F238E27FC236}">
-                <a16:creationId xmlns:a16="http://schemas.microsoft.com/office/drawing/2014/main" xmlns="" id="{40E270E7-AE8C-4A45-B386-B7884EA513E9}"/>
+                <a16:creationId xmlns:a16="http://schemas.microsoft.com/office/drawing/2014/main" id="{40E270E7-AE8C-4A45-B386-B7884EA513E9}"/>
               </a:ext>
             </a:extLst>
           </p:cNvPr>
@@ -20798,7 +20791,7 @@
         </p:nvSpPr>
         <p:spPr>
           <a:xfrm>
-            <a:off x="3149600" y="4267200"/>
+            <a:off x="1958131" y="4349578"/>
             <a:ext cx="6025661" cy="646331"/>
           </a:xfrm>
           <a:prstGeom prst="rect">
@@ -20829,13 +20822,13 @@
   <p:clrMapOvr>
     <a:masterClrMapping/>
   </p:clrMapOvr>
-  <mc:AlternateContent xmlns:mc="http://schemas.openxmlformats.org/markup-compatibility/2006">
-    <mc:Choice xmlns:p159="http://schemas.microsoft.com/office/powerpoint/2015/09/main" xmlns="" Requires="p159">
+  <mc:AlternateContent xmlns:mc="http://schemas.openxmlformats.org/markup-compatibility/2006" xmlns:p159="http://schemas.microsoft.com/office/powerpoint/2015/09/main">
+    <mc:Choice Requires="p159">
       <p:transition xmlns:p14="http://schemas.microsoft.com/office/powerpoint/2010/main" spd="slow" p14:dur="4000" advClick="0" advTm="10000">
         <p159:morph option="byObject"/>
       </p:transition>
     </mc:Choice>
-    <mc:Fallback>
+    <mc:Fallback xmlns="">
       <p:transition spd="slow" advClick="0" advTm="10000">
         <p:fade/>
       </p:transition>
@@ -21064,7 +21057,7 @@
           <p:cNvPr id="2" name="Cím 1">
             <a:extLst>
               <a:ext uri="{FF2B5EF4-FFF2-40B4-BE49-F238E27FC236}">
-                <a16:creationId xmlns:a16="http://schemas.microsoft.com/office/drawing/2014/main" xmlns="" id="{A2D0B6B9-14D7-4FFC-A5E7-8962C3D95CEF}"/>
+                <a16:creationId xmlns:a16="http://schemas.microsoft.com/office/drawing/2014/main" id="{A2D0B6B9-14D7-4FFC-A5E7-8962C3D95CEF}"/>
               </a:ext>
             </a:extLst>
           </p:cNvPr>
@@ -21077,7 +21070,7 @@
         </p:nvSpPr>
         <p:spPr>
           <a:xfrm>
-            <a:off x="3991059" y="3045484"/>
+            <a:off x="3990462" y="3041562"/>
             <a:ext cx="4211075" cy="774875"/>
           </a:xfrm>
         </p:spPr>
@@ -21086,10 +21079,9 @@
           <a:lstStyle/>
           <a:p>
             <a:r>
-              <a:rPr lang="hu-HU" dirty="0" err="1" smtClean="0"/>
+              <a:rPr lang="hu-HU" dirty="0"/>
               <a:t>Virtualizáció</a:t>
             </a:r>
-            <a:endParaRPr lang="hu-HU" dirty="0"/>
           </a:p>
         </p:txBody>
       </p:sp>
@@ -21103,25 +21095,18 @@
   <p:clrMapOvr>
     <a:masterClrMapping/>
   </p:clrMapOvr>
-  <mc:AlternateContent xmlns:mc="http://schemas.openxmlformats.org/markup-compatibility/2006" xmlns:p14="http://schemas.microsoft.com/office/powerpoint/2010/main">
-    <mc:Choice Requires="p14">
-      <p:transition spd="slow" p14:dur="2000" advClick="0" advTm="3000">
+  <mc:AlternateContent xmlns:mc="http://schemas.openxmlformats.org/markup-compatibility/2006">
+    <mc:Choice xmlns:p14="http://schemas.microsoft.com/office/powerpoint/2010/main" Requires="p14">
+      <p:transition spd="slow" p14:dur="2000" advClick="0" advTm="5000">
         <p:cover/>
       </p:transition>
     </mc:Choice>
-    <mc:Fallback xmlns="">
-      <p:transition spd="slow" advClick="0" advTm="3000">
+    <mc:Fallback>
+      <p:transition spd="slow" advClick="0" advTm="5000">
         <p:cover/>
       </p:transition>
     </mc:Fallback>
   </mc:AlternateContent>
-  <p:timing>
-    <p:tnLst>
-      <p:par>
-        <p:cTn id="1" dur="indefinite" restart="never" nodeType="tmRoot"/>
-      </p:par>
-    </p:tnLst>
-  </p:timing>
 </p:sld>
 </file>
 
@@ -21147,7 +21132,7 @@
           <p:cNvPr id="8" name="Szövegdoboz 7">
             <a:extLst>
               <a:ext uri="{FF2B5EF4-FFF2-40B4-BE49-F238E27FC236}">
-                <a16:creationId xmlns:a16="http://schemas.microsoft.com/office/drawing/2014/main" xmlns="" id="{A435F4B6-70D0-40A3-B221-73C9C3446454}"/>
+                <a16:creationId xmlns:a16="http://schemas.microsoft.com/office/drawing/2014/main" id="{A435F4B6-70D0-40A3-B221-73C9C3446454}"/>
               </a:ext>
             </a:extLst>
           </p:cNvPr>
@@ -21171,18 +21156,9 @@
           <a:lstStyle/>
           <a:p>
             <a:r>
-              <a:rPr lang="hu-HU" sz="2400" dirty="0" smtClean="0"/>
-              <a:t>A levelezési- illetve a </a:t>
+              <a:rPr lang="hu-HU" sz="2400" dirty="0"/>
+              <a:t>A levelezési- illetve a web szervert virtuális szervereken futtatjuk.</a:t>
             </a:r>
-            <a:r>
-              <a:rPr lang="hu-HU" sz="2400" dirty="0" smtClean="0"/>
-              <a:t>w</a:t>
-            </a:r>
-            <a:r>
-              <a:rPr lang="hu-HU" sz="2400" dirty="0" smtClean="0"/>
-              <a:t>eb szervet virtuális szervereken futatjuk.</a:t>
-            </a:r>
-            <a:endParaRPr lang="hu-HU" sz="2400" dirty="0"/>
           </a:p>
         </p:txBody>
       </p:sp>
@@ -21191,7 +21167,7 @@
           <p:cNvPr id="9" name="Cím 1">
             <a:extLst>
               <a:ext uri="{FF2B5EF4-FFF2-40B4-BE49-F238E27FC236}">
-                <a16:creationId xmlns:a16="http://schemas.microsoft.com/office/drawing/2014/main" xmlns="" id="{E27B061F-FF24-4A93-AB74-DE949A9754C2}"/>
+                <a16:creationId xmlns:a16="http://schemas.microsoft.com/office/drawing/2014/main" id="{E27B061F-FF24-4A93-AB74-DE949A9754C2}"/>
               </a:ext>
             </a:extLst>
           </p:cNvPr>
@@ -21213,7 +21189,7 @@
           <a:lstStyle/>
           <a:p>
             <a:r>
-              <a:rPr lang="hu-HU" dirty="0" err="1"/>
+              <a:rPr lang="hu-HU" dirty="0"/>
               <a:t>Virtualizáció</a:t>
             </a:r>
             <a:endParaRPr lang="hu-HU" dirty="0">
@@ -21233,13 +21209,13 @@
   <p:clrMapOvr>
     <a:masterClrMapping/>
   </p:clrMapOvr>
-  <mc:AlternateContent xmlns:mc="http://schemas.openxmlformats.org/markup-compatibility/2006">
-    <mc:Choice xmlns:p159="http://schemas.microsoft.com/office/powerpoint/2015/09/main" xmlns="" Requires="p159">
+  <mc:AlternateContent xmlns:mc="http://schemas.openxmlformats.org/markup-compatibility/2006" xmlns:p159="http://schemas.microsoft.com/office/powerpoint/2015/09/main">
+    <mc:Choice Requires="p159">
       <p:transition xmlns:p14="http://schemas.microsoft.com/office/powerpoint/2010/main" spd="slow" p14:dur="4000" advClick="0" advTm="10000">
         <p159:morph option="byObject"/>
       </p:transition>
     </mc:Choice>
-    <mc:Fallback>
+    <mc:Fallback xmlns="">
       <p:transition spd="slow" advClick="0" advTm="10000">
         <p:fade/>
       </p:transition>
@@ -21364,7 +21340,7 @@
           <p:cNvPr id="2" name="Cím 1">
             <a:extLst>
               <a:ext uri="{FF2B5EF4-FFF2-40B4-BE49-F238E27FC236}">
-                <a16:creationId xmlns:a16="http://schemas.microsoft.com/office/drawing/2014/main" xmlns="" id="{375AC77A-2729-4E99-B434-8B2A196EFEF1}"/>
+                <a16:creationId xmlns:a16="http://schemas.microsoft.com/office/drawing/2014/main" id="{375AC77A-2729-4E99-B434-8B2A196EFEF1}"/>
               </a:ext>
             </a:extLst>
           </p:cNvPr>
@@ -21407,12 +21383,12 @@
   </p:clrMapOvr>
   <mc:AlternateContent xmlns:mc="http://schemas.openxmlformats.org/markup-compatibility/2006">
     <mc:Choice xmlns:p14="http://schemas.microsoft.com/office/powerpoint/2010/main" Requires="p14">
-      <p:transition spd="slow" p14:dur="2000" advClick="0" advTm="20000">
+      <p:transition spd="slow" p14:dur="2000" advClick="0" advTm="5000">
         <p:push dir="u"/>
       </p:transition>
     </mc:Choice>
     <mc:Fallback>
-      <p:transition spd="slow" advClick="0" advTm="20000">
+      <p:transition spd="slow" advClick="0" advTm="5000">
         <p:push dir="u"/>
       </p:transition>
     </mc:Fallback>
@@ -21443,7 +21419,7 @@
                               <p:par>
                                 <p:cTn id="5" presetID="16" presetClass="entr" presetSubtype="21" fill="hold" grpId="0" nodeType="afterEffect">
                                   <p:stCondLst>
-                                    <p:cond delay="0"/>
+                                    <p:cond delay="500"/>
                                   </p:stCondLst>
                                   <p:childTnLst>
                                     <p:set>
@@ -21466,7 +21442,7 @@
                                     </p:set>
                                     <p:animEffect transition="in" filter="barn(inVertical)">
                                       <p:cBhvr>
-                                        <p:cTn id="7" dur="500"/>
+                                        <p:cTn id="7" dur="1000"/>
                                         <p:tgtEl>
                                           <p:spTgt spid="2"/>
                                         </p:tgtEl>
